--- a/doc/Lucene-core入门知识讲解.pptx
+++ b/doc/Lucene-core入门知识讲解.pptx
@@ -3166,6 +3166,80 @@
             <a:endParaRPr lang="zh-CN" altLang="en-US" sz="1600"/>
           </a:p>
           <a:p>
+            <a:pPr marL="0" indent="0">
+              <a:buNone/>
+            </a:pPr>
+            <a:r>
+              <a:rPr lang="zh-CN" altLang="en-US" sz="1600"/>
+              <a:t>      </a:t>
+            </a:r>
+            <a:r>
+              <a:rPr lang="en-US" altLang="zh-CN" sz="1600"/>
+              <a:t>TermQuery</a:t>
+            </a:r>
+            <a:endParaRPr lang="en-US" altLang="zh-CN" sz="1600"/>
+          </a:p>
+          <a:p>
+            <a:pPr marL="0" indent="0">
+              <a:buNone/>
+            </a:pPr>
+            <a:r>
+              <a:rPr lang="en-US" altLang="zh-CN" sz="1600"/>
+              <a:t>      TermRangeQuery</a:t>
+            </a:r>
+            <a:endParaRPr lang="en-US" altLang="zh-CN" sz="1600"/>
+          </a:p>
+          <a:p>
+            <a:pPr marL="0" indent="0">
+              <a:buNone/>
+            </a:pPr>
+            <a:r>
+              <a:rPr lang="en-US" altLang="zh-CN" sz="1600"/>
+              <a:t>      NumbericRangeQuery</a:t>
+            </a:r>
+            <a:endParaRPr lang="en-US" altLang="zh-CN" sz="1600"/>
+          </a:p>
+          <a:p>
+            <a:pPr marL="0" indent="0">
+              <a:buNone/>
+            </a:pPr>
+            <a:r>
+              <a:rPr lang="en-US" altLang="zh-CN" sz="1600"/>
+              <a:t>      PrefixQuery</a:t>
+            </a:r>
+            <a:endParaRPr lang="en-US" altLang="zh-CN" sz="1600"/>
+          </a:p>
+          <a:p>
+            <a:pPr marL="0" indent="0">
+              <a:buNone/>
+            </a:pPr>
+            <a:r>
+              <a:rPr lang="en-US" altLang="zh-CN" sz="1600"/>
+              <a:t>      BooleanQuery</a:t>
+            </a:r>
+            <a:endParaRPr lang="en-US" altLang="zh-CN" sz="1600"/>
+          </a:p>
+          <a:p>
+            <a:pPr marL="0" indent="0">
+              <a:buNone/>
+            </a:pPr>
+            <a:r>
+              <a:rPr lang="en-US" altLang="zh-CN" sz="1600"/>
+              <a:t>      PhraseQuery</a:t>
+            </a:r>
+            <a:endParaRPr lang="en-US" altLang="zh-CN" sz="1600"/>
+          </a:p>
+          <a:p>
+            <a:pPr marL="0" indent="0">
+              <a:buNone/>
+            </a:pPr>
+            <a:r>
+              <a:rPr lang="en-US" altLang="zh-CN" sz="1600"/>
+              <a:t>      FuzzyQuery</a:t>
+            </a:r>
+            <a:endParaRPr lang="zh-CN" altLang="en-US" sz="1600"/>
+          </a:p>
+          <a:p>
             <a:r>
               <a:rPr lang="en-US" altLang="zh-CN" sz="1600"/>
               <a:t>Lucene</a:t>
@@ -3191,8 +3265,78 @@
             </a:r>
             <a:endParaRPr lang="zh-CN" altLang="en-US" sz="1600"/>
           </a:p>
-        </p:txBody>
-      </p:sp>
+          <a:p>
+            <a:pPr marL="0" indent="0">
+              <a:buNone/>
+            </a:pPr>
+            <a:r>
+              <a:rPr lang="zh-CN" altLang="en-US" sz="1600"/>
+              <a:t>    </a:t>
+            </a:r>
+            <a:endParaRPr lang="zh-CN" altLang="en-US" sz="1600"/>
+          </a:p>
+          <a:p>
+            <a:pPr marL="0" indent="0">
+              <a:buNone/>
+            </a:pPr>
+            <a:endParaRPr lang="zh-CN" altLang="en-US" sz="1600"/>
+          </a:p>
+          <a:p>
+            <a:pPr marL="0" indent="0">
+              <a:buNone/>
+            </a:pPr>
+            <a:endParaRPr lang="zh-CN" altLang="en-US" sz="1600"/>
+          </a:p>
+        </p:txBody>
+      </p:sp>
+      <p:pic>
+        <p:nvPicPr>
+          <p:cNvPr id="4" name="图片 3"/>
+          <p:cNvPicPr>
+            <a:picLocks noChangeAspect="1"/>
+          </p:cNvPicPr>
+          <p:nvPr/>
+        </p:nvPicPr>
+        <p:blipFill>
+          <a:blip r:embed="rId1"/>
+          <a:stretch>
+            <a:fillRect/>
+          </a:stretch>
+        </p:blipFill>
+        <p:spPr>
+          <a:xfrm>
+            <a:off x="2998470" y="3891915"/>
+            <a:ext cx="5162550" cy="371475"/>
+          </a:xfrm>
+          <a:prstGeom prst="rect">
+            <a:avLst/>
+          </a:prstGeom>
+        </p:spPr>
+      </p:pic>
+      <p:pic>
+        <p:nvPicPr>
+          <p:cNvPr id="5" name="图片 4"/>
+          <p:cNvPicPr>
+            <a:picLocks noChangeAspect="1"/>
+          </p:cNvPicPr>
+          <p:nvPr/>
+        </p:nvPicPr>
+        <p:blipFill>
+          <a:blip r:embed="rId2"/>
+          <a:stretch>
+            <a:fillRect/>
+          </a:stretch>
+        </p:blipFill>
+        <p:spPr>
+          <a:xfrm>
+            <a:off x="978535" y="4500880"/>
+            <a:ext cx="5724525" cy="2238375"/>
+          </a:xfrm>
+          <a:prstGeom prst="rect">
+            <a:avLst/>
+          </a:prstGeom>
+        </p:spPr>
+      </p:pic>
     </p:spTree>
   </p:cSld>
   <p:clrMapOvr>
